--- a/fremlæggelsePP/gui-projekt fremlæggelse.pptx
+++ b/fremlæggelsePP/gui-projekt fremlæggelse.pptx
@@ -10,6 +10,7 @@
     <p:sldId id="258" r:id="rId4"/>
     <p:sldId id="259" r:id="rId5"/>
     <p:sldId id="260" r:id="rId6"/>
+    <p:sldId id="261" r:id="rId7"/>
   </p:sldIdLst>
   <p:sldSz cx="12192000" cy="6858000"/>
   <p:notesSz cx="6858000" cy="9144000"/>
@@ -108,6 +109,11 @@
       </a:defRPr>
     </a:lvl9pPr>
   </p:defaultTextStyle>
+  <p:extLst>
+    <p:ext uri="{EFAFB233-063F-42B5-8137-9DF3F51BA10A}">
+      <p15:sldGuideLst xmlns:p15="http://schemas.microsoft.com/office/powerpoint/2012/main"/>
+    </p:ext>
+  </p:extLst>
 </p:presentation>
 </file>
 
@@ -4451,6 +4457,93 @@
 </p:sld>
 </file>
 
+<file path=ppt/slides/slide6.xml><?xml version="1.0" encoding="utf-8"?>
+<p:sld xmlns:a="http://schemas.openxmlformats.org/drawingml/2006/main" xmlns:r="http://schemas.openxmlformats.org/officeDocument/2006/relationships" xmlns:p="http://schemas.openxmlformats.org/presentationml/2006/main">
+  <p:cSld>
+    <p:spTree>
+      <p:nvGrpSpPr>
+        <p:cNvPr id="1" name=""/>
+        <p:cNvGrpSpPr/>
+        <p:nvPr/>
+      </p:nvGrpSpPr>
+      <p:grpSpPr>
+        <a:xfrm>
+          <a:off x="0" y="0"/>
+          <a:ext cx="0" cy="0"/>
+          <a:chOff x="0" y="0"/>
+          <a:chExt cx="0" cy="0"/>
+        </a:xfrm>
+      </p:grpSpPr>
+      <p:sp>
+        <p:nvSpPr>
+          <p:cNvPr id="2" name="Titel 1">
+            <a:extLst>
+              <a:ext uri="{FF2B5EF4-FFF2-40B4-BE49-F238E27FC236}">
+                <a16:creationId xmlns:a16="http://schemas.microsoft.com/office/drawing/2014/main" id="{8678C1E6-8C07-4216-99ED-2C6D39D88C98}"/>
+              </a:ext>
+            </a:extLst>
+          </p:cNvPr>
+          <p:cNvSpPr>
+            <a:spLocks noGrp="1"/>
+          </p:cNvSpPr>
+          <p:nvPr>
+            <p:ph type="title"/>
+          </p:nvPr>
+        </p:nvSpPr>
+        <p:spPr/>
+        <p:txBody>
+          <a:bodyPr/>
+          <a:lstStyle/>
+          <a:p>
+            <a:r>
+              <a:rPr lang="da-DK" dirty="0"/>
+              <a:t>Html </a:t>
+            </a:r>
+          </a:p>
+        </p:txBody>
+      </p:sp>
+      <p:pic>
+        <p:nvPicPr>
+          <p:cNvPr id="5" name="Pladsholder til indhold 4" descr="Et billede, der indeholder tekst&#10;&#10;Automatisk genereret beskrivelse">
+            <a:extLst>
+              <a:ext uri="{FF2B5EF4-FFF2-40B4-BE49-F238E27FC236}">
+                <a16:creationId xmlns:a16="http://schemas.microsoft.com/office/drawing/2014/main" id="{2954BB31-E102-464D-A887-A93CC809B468}"/>
+              </a:ext>
+            </a:extLst>
+          </p:cNvPr>
+          <p:cNvPicPr>
+            <a:picLocks noGrp="1" noChangeAspect="1"/>
+          </p:cNvPicPr>
+          <p:nvPr>
+            <p:ph idx="1"/>
+          </p:nvPr>
+        </p:nvPicPr>
+        <p:blipFill>
+          <a:blip r:embed="rId2"/>
+          <a:stretch>
+            <a:fillRect/>
+          </a:stretch>
+        </p:blipFill>
+        <p:spPr>
+          <a:xfrm>
+            <a:off x="82890" y="2812774"/>
+            <a:ext cx="12141605" cy="2643809"/>
+          </a:xfrm>
+        </p:spPr>
+      </p:pic>
+    </p:spTree>
+    <p:extLst>
+      <p:ext uri="{BB962C8B-B14F-4D97-AF65-F5344CB8AC3E}">
+        <p14:creationId xmlns:p14="http://schemas.microsoft.com/office/powerpoint/2010/main" val="156693307"/>
+      </p:ext>
+    </p:extLst>
+  </p:cSld>
+  <p:clrMapOvr>
+    <a:masterClrMapping/>
+  </p:clrMapOvr>
+</p:sld>
+</file>
+
 <file path=ppt/theme/theme1.xml><?xml version="1.0" encoding="utf-8"?>
 <a:theme xmlns:a="http://schemas.openxmlformats.org/drawingml/2006/main" name="Trætype">
   <a:themeElements>

--- a/fremlæggelsePP/gui-projekt fremlæggelse.pptx
+++ b/fremlæggelsePP/gui-projekt fremlæggelse.pptx
@@ -4322,10 +4322,10 @@
       </p:sp>
       <p:pic>
         <p:nvPicPr>
-          <p:cNvPr id="7" name="Pladsholder til indhold 6" descr="Et billede, der indeholder tekst&#10;&#10;Automatisk genereret beskrivelse">
+          <p:cNvPr id="6" name="Pladsholder til indhold 5" descr="Et billede, der indeholder tekst&#10;&#10;Automatisk genereret beskrivelse">
             <a:extLst>
               <a:ext uri="{FF2B5EF4-FFF2-40B4-BE49-F238E27FC236}">
-                <a16:creationId xmlns:a16="http://schemas.microsoft.com/office/drawing/2014/main" id="{E26589D1-2750-4398-ABF5-9FE3954325B5}"/>
+                <a16:creationId xmlns:a16="http://schemas.microsoft.com/office/drawing/2014/main" id="{A51DAEA1-AE84-4A77-9FE5-7F8BE238089E}"/>
               </a:ext>
             </a:extLst>
           </p:cNvPr>
@@ -4344,8 +4344,8 @@
         </p:blipFill>
         <p:spPr>
           <a:xfrm>
-            <a:off x="2782957" y="1862739"/>
-            <a:ext cx="5319482" cy="3663417"/>
+            <a:off x="2872409" y="2093976"/>
+            <a:ext cx="6793012" cy="3909757"/>
           </a:xfrm>
         </p:spPr>
       </p:pic>
